--- a/Elf.pptx
+++ b/Elf.pptx
@@ -5,7 +5,7 @@
     <p:sldMasterId id="2147483648" r:id="rId1"/>
   </p:sldMasterIdLst>
   <p:notesMasterIdLst>
-    <p:notesMasterId r:id="rId9"/>
+    <p:notesMasterId r:id="rId14"/>
   </p:notesMasterIdLst>
   <p:sldIdLst>
     <p:sldId id="256" r:id="rId2"/>
@@ -15,6 +15,11 @@
     <p:sldId id="260" r:id="rId6"/>
     <p:sldId id="261" r:id="rId7"/>
     <p:sldId id="262" r:id="rId8"/>
+    <p:sldId id="263" r:id="rId9"/>
+    <p:sldId id="264" r:id="rId10"/>
+    <p:sldId id="265" r:id="rId11"/>
+    <p:sldId id="266" r:id="rId12"/>
+    <p:sldId id="267" r:id="rId13"/>
   </p:sldIdLst>
   <p:sldSz cx="12192000" cy="6858000"/>
   <p:notesSz cx="6858000" cy="9144000"/>
@@ -113,6 +118,11 @@
       </a:defRPr>
     </a:lvl9pPr>
   </p:defaultTextStyle>
+  <p:extLst>
+    <p:ext uri="{EFAFB233-063F-42B5-8137-9DF3F51BA10A}">
+      <p15:sldGuideLst xmlns:p15="http://schemas.microsoft.com/office/powerpoint/2012/main"/>
+    </p:ext>
+  </p:extLst>
 </p:presentation>
 </file>
 
@@ -198,7 +208,7 @@
           <a:p>
             <a:fld id="{C2D02C89-329B-AA44-ADAD-3262E0F49BA5}" type="datetimeFigureOut">
               <a:rPr lang="en-CN" smtClean="0"/>
-              <a:t>2023/4/17</a:t>
+              <a:t>04/18/2023</a:t>
             </a:fld>
             <a:endParaRPr lang="en-CN"/>
           </a:p>
@@ -561,6 +571,174 @@
 </p:notes>
 </file>
 
+<file path=ppt/notesSlides/notesSlide2.xml><?xml version="1.0" encoding="utf-8"?>
+<p:notes xmlns:a="http://schemas.openxmlformats.org/drawingml/2006/main" xmlns:r="http://schemas.openxmlformats.org/officeDocument/2006/relationships" xmlns:p="http://schemas.openxmlformats.org/presentationml/2006/main">
+  <p:cSld>
+    <p:spTree>
+      <p:nvGrpSpPr>
+        <p:cNvPr id="1" name=""/>
+        <p:cNvGrpSpPr/>
+        <p:nvPr/>
+      </p:nvGrpSpPr>
+      <p:grpSpPr>
+        <a:xfrm>
+          <a:off x="0" y="0"/>
+          <a:ext cx="0" cy="0"/>
+          <a:chOff x="0" y="0"/>
+          <a:chExt cx="0" cy="0"/>
+        </a:xfrm>
+      </p:grpSpPr>
+      <p:sp>
+        <p:nvSpPr>
+          <p:cNvPr id="2" name="Slide Image Placeholder 1"/>
+          <p:cNvSpPr>
+            <a:spLocks noGrp="1" noRot="1" noChangeAspect="1"/>
+          </p:cNvSpPr>
+          <p:nvPr>
+            <p:ph type="sldImg"/>
+          </p:nvPr>
+        </p:nvSpPr>
+        <p:spPr/>
+      </p:sp>
+      <p:sp>
+        <p:nvSpPr>
+          <p:cNvPr id="3" name="Notes Placeholder 2"/>
+          <p:cNvSpPr>
+            <a:spLocks noGrp="1"/>
+          </p:cNvSpPr>
+          <p:nvPr>
+            <p:ph type="body" idx="1"/>
+          </p:nvPr>
+        </p:nvSpPr>
+        <p:spPr/>
+        <p:txBody>
+          <a:bodyPr/>
+          <a:lstStyle/>
+          <a:p>
+            <a:r>
+              <a:rPr lang="en-US" altLang="zh-CN" dirty="0"/>
+              <a:t>As shown in Figure 5(c), given </a:t>
+            </a:r>
+            <a:r>
+              <a:rPr lang="zh-CN" altLang="en-US" dirty="0"/>
+              <a:t>𝑣 </a:t>
+            </a:r>
+            <a:r>
+              <a:rPr lang="en-US" altLang="zh-CN" dirty="0"/>
+              <a:t>= 0.75, we get </a:t>
+            </a:r>
+            <a:r>
+              <a:rPr lang="zh-CN" altLang="en-US" dirty="0"/>
+              <a:t>𝑣 </a:t>
+            </a:r>
+            <a:r>
+              <a:rPr lang="en-US" altLang="zh-CN" dirty="0"/>
+              <a:t>′ = </a:t>
+            </a:r>
+            <a:r>
+              <a:rPr lang="zh-CN" altLang="en-US" dirty="0"/>
+              <a:t>𝑣 </a:t>
+            </a:r>
+            <a:r>
+              <a:rPr lang="en-US" altLang="zh-CN" dirty="0"/>
+              <a:t>and </a:t>
+            </a:r>
+            <a:r>
+              <a:rPr lang="zh-CN" altLang="en-US" dirty="0"/>
+              <a:t>𝛿 </a:t>
+            </a:r>
+            <a:r>
+              <a:rPr lang="en-US" altLang="zh-CN" dirty="0"/>
+              <a:t>= 0. In this situation, we cannot recover </a:t>
+            </a:r>
+            <a:r>
+              <a:rPr lang="zh-CN" altLang="en-US" dirty="0"/>
+              <a:t>𝑣 </a:t>
+            </a:r>
+            <a:r>
+              <a:rPr lang="en-US" altLang="zh-CN" dirty="0"/>
+              <a:t>from </a:t>
+            </a:r>
+            <a:r>
+              <a:rPr lang="zh-CN" altLang="en-US" dirty="0"/>
+              <a:t>𝑣 </a:t>
+            </a:r>
+            <a:r>
+              <a:rPr lang="en-US" altLang="zh-CN" dirty="0"/>
+              <a:t>′ according to Equation (4). In fact, </a:t>
+            </a:r>
+            <a:r>
+              <a:rPr lang="zh-CN" altLang="en-US" dirty="0"/>
+              <a:t>𝛿 </a:t>
+            </a:r>
+            <a:r>
+              <a:rPr lang="en-US" altLang="zh-CN" dirty="0"/>
+              <a:t>= 0 indicates that </a:t>
+            </a:r>
+            <a:r>
+              <a:rPr lang="zh-CN" altLang="en-US" dirty="0"/>
+              <a:t>𝑣 </a:t>
+            </a:r>
+            <a:r>
+              <a:rPr lang="en-US" altLang="zh-CN" dirty="0"/>
+              <a:t>itself has long trailing zeros. Therefore, once </a:t>
+            </a:r>
+            <a:r>
+              <a:rPr lang="zh-CN" altLang="en-US" dirty="0"/>
+              <a:t>𝛿 </a:t>
+            </a:r>
+            <a:r>
+              <a:rPr lang="en-US" altLang="zh-CN" dirty="0"/>
+              <a:t>= 0, we will keep </a:t>
+            </a:r>
+            <a:r>
+              <a:rPr lang="zh-CN" altLang="en-US" dirty="0"/>
+              <a:t>𝑣 </a:t>
+            </a:r>
+            <a:r>
+              <a:rPr lang="en-US" altLang="zh-CN" dirty="0"/>
+              <a:t>as it is. </a:t>
+            </a:r>
+            <a:endParaRPr lang="zh-CN" altLang="en-US" dirty="0"/>
+          </a:p>
+        </p:txBody>
+      </p:sp>
+      <p:sp>
+        <p:nvSpPr>
+          <p:cNvPr id="4" name="Slide Number Placeholder 3"/>
+          <p:cNvSpPr>
+            <a:spLocks noGrp="1"/>
+          </p:cNvSpPr>
+          <p:nvPr>
+            <p:ph type="sldNum" sz="quarter" idx="5"/>
+          </p:nvPr>
+        </p:nvSpPr>
+        <p:spPr/>
+        <p:txBody>
+          <a:bodyPr/>
+          <a:lstStyle/>
+          <a:p>
+            <a:fld id="{29625406-6F37-FB4A-B524-4596FF0231AB}" type="slidenum">
+              <a:rPr lang="en-CN" smtClean="0"/>
+              <a:t>11</a:t>
+            </a:fld>
+            <a:endParaRPr lang="en-CN"/>
+          </a:p>
+        </p:txBody>
+      </p:sp>
+    </p:spTree>
+    <p:extLst>
+      <p:ext uri="{BB962C8B-B14F-4D97-AF65-F5344CB8AC3E}">
+        <p14:creationId xmlns:p14="http://schemas.microsoft.com/office/powerpoint/2010/main" val="1297123716"/>
+      </p:ext>
+    </p:extLst>
+  </p:cSld>
+  <p:clrMapOvr>
+    <a:masterClrMapping/>
+  </p:clrMapOvr>
+</p:notes>
+</file>
+
 <file path=ppt/slideLayouts/slideLayout1.xml><?xml version="1.0" encoding="utf-8"?>
 <p:sldLayout xmlns:a="http://schemas.openxmlformats.org/drawingml/2006/main" xmlns:r="http://schemas.openxmlformats.org/officeDocument/2006/relationships" xmlns:p="http://schemas.openxmlformats.org/presentationml/2006/main" type="title" preserve="1">
   <p:cSld name="Title Slide">
@@ -710,7 +888,7 @@
           <a:p>
             <a:fld id="{C8926006-7C4C-DB48-83D9-8AB215CD4A85}" type="datetimeFigureOut">
               <a:rPr lang="en-CN" smtClean="0"/>
-              <a:t>2023/4/17</a:t>
+              <a:t>04/18/2023</a:t>
             </a:fld>
             <a:endParaRPr lang="en-CN"/>
           </a:p>
@@ -910,7 +1088,7 @@
           <a:p>
             <a:fld id="{C8926006-7C4C-DB48-83D9-8AB215CD4A85}" type="datetimeFigureOut">
               <a:rPr lang="en-CN" smtClean="0"/>
-              <a:t>2023/4/17</a:t>
+              <a:t>04/18/2023</a:t>
             </a:fld>
             <a:endParaRPr lang="en-CN"/>
           </a:p>
@@ -1120,7 +1298,7 @@
           <a:p>
             <a:fld id="{C8926006-7C4C-DB48-83D9-8AB215CD4A85}" type="datetimeFigureOut">
               <a:rPr lang="en-CN" smtClean="0"/>
-              <a:t>2023/4/17</a:t>
+              <a:t>04/18/2023</a:t>
             </a:fld>
             <a:endParaRPr lang="en-CN"/>
           </a:p>
@@ -1320,7 +1498,7 @@
           <a:p>
             <a:fld id="{C8926006-7C4C-DB48-83D9-8AB215CD4A85}" type="datetimeFigureOut">
               <a:rPr lang="en-CN" smtClean="0"/>
-              <a:t>2023/4/17</a:t>
+              <a:t>04/18/2023</a:t>
             </a:fld>
             <a:endParaRPr lang="en-CN"/>
           </a:p>
@@ -1596,7 +1774,7 @@
           <a:p>
             <a:fld id="{C8926006-7C4C-DB48-83D9-8AB215CD4A85}" type="datetimeFigureOut">
               <a:rPr lang="en-CN" smtClean="0"/>
-              <a:t>2023/4/17</a:t>
+              <a:t>04/18/2023</a:t>
             </a:fld>
             <a:endParaRPr lang="en-CN"/>
           </a:p>
@@ -1864,7 +2042,7 @@
           <a:p>
             <a:fld id="{C8926006-7C4C-DB48-83D9-8AB215CD4A85}" type="datetimeFigureOut">
               <a:rPr lang="en-CN" smtClean="0"/>
-              <a:t>2023/4/17</a:t>
+              <a:t>04/18/2023</a:t>
             </a:fld>
             <a:endParaRPr lang="en-CN"/>
           </a:p>
@@ -2279,7 +2457,7 @@
           <a:p>
             <a:fld id="{C8926006-7C4C-DB48-83D9-8AB215CD4A85}" type="datetimeFigureOut">
               <a:rPr lang="en-CN" smtClean="0"/>
-              <a:t>2023/4/17</a:t>
+              <a:t>04/18/2023</a:t>
             </a:fld>
             <a:endParaRPr lang="en-CN"/>
           </a:p>
@@ -2421,7 +2599,7 @@
           <a:p>
             <a:fld id="{C8926006-7C4C-DB48-83D9-8AB215CD4A85}" type="datetimeFigureOut">
               <a:rPr lang="en-CN" smtClean="0"/>
-              <a:t>2023/4/17</a:t>
+              <a:t>04/18/2023</a:t>
             </a:fld>
             <a:endParaRPr lang="en-CN"/>
           </a:p>
@@ -2534,7 +2712,7 @@
           <a:p>
             <a:fld id="{C8926006-7C4C-DB48-83D9-8AB215CD4A85}" type="datetimeFigureOut">
               <a:rPr lang="en-CN" smtClean="0"/>
-              <a:t>2023/4/17</a:t>
+              <a:t>04/18/2023</a:t>
             </a:fld>
             <a:endParaRPr lang="en-CN"/>
           </a:p>
@@ -2847,7 +3025,7 @@
           <a:p>
             <a:fld id="{C8926006-7C4C-DB48-83D9-8AB215CD4A85}" type="datetimeFigureOut">
               <a:rPr lang="en-CN" smtClean="0"/>
-              <a:t>2023/4/17</a:t>
+              <a:t>04/18/2023</a:t>
             </a:fld>
             <a:endParaRPr lang="en-CN"/>
           </a:p>
@@ -3136,7 +3314,7 @@
           <a:p>
             <a:fld id="{C8926006-7C4C-DB48-83D9-8AB215CD4A85}" type="datetimeFigureOut">
               <a:rPr lang="en-CN" smtClean="0"/>
-              <a:t>2023/4/17</a:t>
+              <a:t>04/18/2023</a:t>
             </a:fld>
             <a:endParaRPr lang="en-CN"/>
           </a:p>
@@ -3379,7 +3557,7 @@
           <a:p>
             <a:fld id="{C8926006-7C4C-DB48-83D9-8AB215CD4A85}" type="datetimeFigureOut">
               <a:rPr lang="en-CN" smtClean="0"/>
-              <a:t>2023/4/17</a:t>
+              <a:t>04/18/2023</a:t>
             </a:fld>
             <a:endParaRPr lang="en-CN"/>
           </a:p>
@@ -3893,6 +4071,635 @@
 </p:sld>
 </file>
 
+<file path=ppt/slides/slide10.xml><?xml version="1.0" encoding="utf-8"?>
+<p:sld xmlns:a="http://schemas.openxmlformats.org/drawingml/2006/main" xmlns:r="http://schemas.openxmlformats.org/officeDocument/2006/relationships" xmlns:p="http://schemas.openxmlformats.org/presentationml/2006/main">
+  <p:cSld>
+    <p:spTree>
+      <p:nvGrpSpPr>
+        <p:cNvPr id="1" name=""/>
+        <p:cNvGrpSpPr/>
+        <p:nvPr/>
+      </p:nvGrpSpPr>
+      <p:grpSpPr>
+        <a:xfrm>
+          <a:off x="0" y="0"/>
+          <a:ext cx="0" cy="0"/>
+          <a:chOff x="0" y="0"/>
+          <a:chExt cx="0" cy="0"/>
+        </a:xfrm>
+      </p:grpSpPr>
+      <p:sp>
+        <p:nvSpPr>
+          <p:cNvPr id="2" name="Title 1">
+            <a:extLst>
+              <a:ext uri="{FF2B5EF4-FFF2-40B4-BE49-F238E27FC236}">
+                <a16:creationId xmlns:a16="http://schemas.microsoft.com/office/drawing/2014/main" id="{832E8AA1-3877-82F5-BF34-D5BD3519FF30}"/>
+              </a:ext>
+            </a:extLst>
+          </p:cNvPr>
+          <p:cNvSpPr>
+            <a:spLocks noGrp="1"/>
+          </p:cNvSpPr>
+          <p:nvPr>
+            <p:ph type="title"/>
+          </p:nvPr>
+        </p:nvSpPr>
+        <p:spPr/>
+        <p:txBody>
+          <a:bodyPr/>
+          <a:lstStyle/>
+          <a:p>
+            <a:r>
+              <a:rPr lang="en-US" altLang="zh-CN" dirty="0"/>
+              <a:t>Decimal Place Count Calculation</a:t>
+            </a:r>
+            <a:endParaRPr lang="zh-CN" altLang="en-US" dirty="0"/>
+          </a:p>
+        </p:txBody>
+      </p:sp>
+      <mc:AlternateContent xmlns:mc="http://schemas.openxmlformats.org/markup-compatibility/2006">
+        <mc:Choice xmlns:a14="http://schemas.microsoft.com/office/drawing/2010/main" Requires="a14">
+          <p:sp>
+            <p:nvSpPr>
+              <p:cNvPr id="3" name="Content Placeholder 2">
+                <a:extLst>
+                  <a:ext uri="{FF2B5EF4-FFF2-40B4-BE49-F238E27FC236}">
+                    <a16:creationId xmlns:a16="http://schemas.microsoft.com/office/drawing/2014/main" id="{B124937F-F851-CF12-67E1-58032F320454}"/>
+                  </a:ext>
+                </a:extLst>
+              </p:cNvPr>
+              <p:cNvSpPr>
+                <a:spLocks noGrp="1"/>
+              </p:cNvSpPr>
+              <p:nvPr>
+                <p:ph idx="1"/>
+              </p:nvPr>
+            </p:nvSpPr>
+            <p:spPr/>
+            <p:txBody>
+              <a:bodyPr/>
+              <a:lstStyle/>
+              <a:p>
+                <a14:m>
+                  <m:oMath xmlns:m="http://schemas.openxmlformats.org/officeDocument/2006/math">
+                    <m:sSup>
+                      <m:sSupPr>
+                        <m:ctrlPr>
+                          <a:rPr lang="en-US" altLang="zh-CN" i="1" dirty="0" smtClean="0">
+                            <a:latin typeface="Cambria Math" panose="02040503050406030204" pitchFamily="18" charset="0"/>
+                          </a:rPr>
+                        </m:ctrlPr>
+                      </m:sSupPr>
+                      <m:e>
+                        <m:r>
+                          <a:rPr lang="zh-CN" altLang="en-US" i="1" dirty="0">
+                            <a:latin typeface="Cambria Math" panose="02040503050406030204" pitchFamily="18" charset="0"/>
+                          </a:rPr>
+                          <m:t>𝛽</m:t>
+                        </m:r>
+                      </m:e>
+                      <m:sup>
+                        <m:r>
+                          <a:rPr lang="zh-CN" altLang="en-US" i="1" dirty="0">
+                            <a:latin typeface="Cambria Math" panose="02040503050406030204" pitchFamily="18" charset="0"/>
+                          </a:rPr>
+                          <m:t>∗</m:t>
+                        </m:r>
+                      </m:sup>
+                    </m:sSup>
+                    <m:r>
+                      <a:rPr lang="zh-CN" altLang="en-US" i="1" dirty="0" smtClean="0">
+                        <a:latin typeface="Cambria Math" panose="02040503050406030204" pitchFamily="18" charset="0"/>
+                      </a:rPr>
+                      <m:t> </m:t>
+                    </m:r>
+                  </m:oMath>
+                </a14:m>
+                <a:r>
+                  <a:rPr lang="zh-CN" altLang="en-US" dirty="0"/>
+                  <a:t>∈ </a:t>
+                </a:r>
+                <a:r>
+                  <a:rPr lang="en-US" altLang="zh-CN" dirty="0"/>
+                  <a:t>{0, 1, 2, ..., 17}, we do not consider the situations when </a:t>
+                </a:r>
+                <a14:m>
+                  <m:oMath xmlns:m="http://schemas.openxmlformats.org/officeDocument/2006/math">
+                    <m:sSup>
+                      <m:sSupPr>
+                        <m:ctrlPr>
+                          <a:rPr lang="en-US" altLang="zh-CN" i="1" dirty="0">
+                            <a:latin typeface="Cambria Math" panose="02040503050406030204" pitchFamily="18" charset="0"/>
+                          </a:rPr>
+                        </m:ctrlPr>
+                      </m:sSupPr>
+                      <m:e>
+                        <m:r>
+                          <a:rPr lang="zh-CN" altLang="en-US" i="1" dirty="0">
+                            <a:latin typeface="Cambria Math" panose="02040503050406030204" pitchFamily="18" charset="0"/>
+                          </a:rPr>
+                          <m:t>𝛽</m:t>
+                        </m:r>
+                      </m:e>
+                      <m:sup>
+                        <m:r>
+                          <a:rPr lang="zh-CN" altLang="en-US" i="1" dirty="0">
+                            <a:latin typeface="Cambria Math" panose="02040503050406030204" pitchFamily="18" charset="0"/>
+                          </a:rPr>
+                          <m:t>∗</m:t>
+                        </m:r>
+                      </m:sup>
+                    </m:sSup>
+                  </m:oMath>
+                </a14:m>
+                <a:r>
+                  <a:rPr lang="zh-CN" altLang="en-US" dirty="0"/>
+                  <a:t> </a:t>
+                </a:r>
+                <a:r>
+                  <a:rPr lang="en-US" altLang="zh-CN" dirty="0"/>
+                  <a:t>= 16 or 17</a:t>
+                </a:r>
+                <a:endParaRPr lang="zh-CN" altLang="en-US" dirty="0"/>
+              </a:p>
+            </p:txBody>
+          </p:sp>
+        </mc:Choice>
+        <mc:Fallback>
+          <p:sp>
+            <p:nvSpPr>
+              <p:cNvPr id="3" name="Content Placeholder 2">
+                <a:extLst>
+                  <a:ext uri="{FF2B5EF4-FFF2-40B4-BE49-F238E27FC236}">
+                    <a16:creationId xmlns:a16="http://schemas.microsoft.com/office/drawing/2014/main" id="{B124937F-F851-CF12-67E1-58032F320454}"/>
+                  </a:ext>
+                </a:extLst>
+              </p:cNvPr>
+              <p:cNvSpPr>
+                <a:spLocks noGrp="1" noRot="1" noChangeAspect="1" noMove="1" noResize="1" noEditPoints="1" noAdjustHandles="1" noChangeArrowheads="1" noChangeShapeType="1" noTextEdit="1"/>
+              </p:cNvSpPr>
+              <p:nvPr>
+                <p:ph idx="1"/>
+              </p:nvPr>
+            </p:nvSpPr>
+            <p:spPr>
+              <a:blipFill>
+                <a:blip r:embed="rId2"/>
+                <a:stretch>
+                  <a:fillRect t="-2521" r="-812"/>
+                </a:stretch>
+              </a:blipFill>
+            </p:spPr>
+            <p:txBody>
+              <a:bodyPr/>
+              <a:lstStyle/>
+              <a:p>
+                <a:r>
+                  <a:rPr lang="zh-CN" altLang="en-US">
+                    <a:noFill/>
+                  </a:rPr>
+                  <a:t> </a:t>
+                </a:r>
+              </a:p>
+            </p:txBody>
+          </p:sp>
+        </mc:Fallback>
+      </mc:AlternateContent>
+      <p:pic>
+        <p:nvPicPr>
+          <p:cNvPr id="5" name="Picture 4">
+            <a:extLst>
+              <a:ext uri="{FF2B5EF4-FFF2-40B4-BE49-F238E27FC236}">
+                <a16:creationId xmlns:a16="http://schemas.microsoft.com/office/drawing/2014/main" id="{1C9E747F-14FC-0621-FA31-F078DD6C02EC}"/>
+              </a:ext>
+            </a:extLst>
+          </p:cNvPr>
+          <p:cNvPicPr>
+            <a:picLocks noChangeAspect="1"/>
+          </p:cNvPicPr>
+          <p:nvPr/>
+        </p:nvPicPr>
+        <p:blipFill>
+          <a:blip r:embed="rId3"/>
+          <a:stretch>
+            <a:fillRect/>
+          </a:stretch>
+        </p:blipFill>
+        <p:spPr>
+          <a:xfrm>
+            <a:off x="2943698" y="2519238"/>
+            <a:ext cx="5437380" cy="1070123"/>
+          </a:xfrm>
+          <a:prstGeom prst="rect">
+            <a:avLst/>
+          </a:prstGeom>
+        </p:spPr>
+      </p:pic>
+      <p:pic>
+        <p:nvPicPr>
+          <p:cNvPr id="7" name="Picture 6">
+            <a:extLst>
+              <a:ext uri="{FF2B5EF4-FFF2-40B4-BE49-F238E27FC236}">
+                <a16:creationId xmlns:a16="http://schemas.microsoft.com/office/drawing/2014/main" id="{437C805C-3C1C-770B-A5E4-1D914A752DB4}"/>
+              </a:ext>
+            </a:extLst>
+          </p:cNvPr>
+          <p:cNvPicPr>
+            <a:picLocks noChangeAspect="1"/>
+          </p:cNvPicPr>
+          <p:nvPr/>
+        </p:nvPicPr>
+        <p:blipFill>
+          <a:blip r:embed="rId4"/>
+          <a:stretch>
+            <a:fillRect/>
+          </a:stretch>
+        </p:blipFill>
+        <p:spPr>
+          <a:xfrm>
+            <a:off x="869849" y="3724298"/>
+            <a:ext cx="10483951" cy="844290"/>
+          </a:xfrm>
+          <a:prstGeom prst="rect">
+            <a:avLst/>
+          </a:prstGeom>
+        </p:spPr>
+      </p:pic>
+    </p:spTree>
+    <p:extLst>
+      <p:ext uri="{BB962C8B-B14F-4D97-AF65-F5344CB8AC3E}">
+        <p14:creationId xmlns:p14="http://schemas.microsoft.com/office/powerpoint/2010/main" val="1414138359"/>
+      </p:ext>
+    </p:extLst>
+  </p:cSld>
+  <p:clrMapOvr>
+    <a:masterClrMapping/>
+  </p:clrMapOvr>
+</p:sld>
+</file>
+
+<file path=ppt/slides/slide11.xml><?xml version="1.0" encoding="utf-8"?>
+<p:sld xmlns:a="http://schemas.openxmlformats.org/drawingml/2006/main" xmlns:r="http://schemas.openxmlformats.org/officeDocument/2006/relationships" xmlns:p="http://schemas.openxmlformats.org/presentationml/2006/main">
+  <p:cSld>
+    <p:spTree>
+      <p:nvGrpSpPr>
+        <p:cNvPr id="1" name=""/>
+        <p:cNvGrpSpPr/>
+        <p:nvPr/>
+      </p:nvGrpSpPr>
+      <p:grpSpPr>
+        <a:xfrm>
+          <a:off x="0" y="0"/>
+          <a:ext cx="0" cy="0"/>
+          <a:chOff x="0" y="0"/>
+          <a:chExt cx="0" cy="0"/>
+        </a:xfrm>
+      </p:grpSpPr>
+      <p:sp>
+        <p:nvSpPr>
+          <p:cNvPr id="2" name="Title 1">
+            <a:extLst>
+              <a:ext uri="{FF2B5EF4-FFF2-40B4-BE49-F238E27FC236}">
+                <a16:creationId xmlns:a16="http://schemas.microsoft.com/office/drawing/2014/main" id="{428D65C9-0DA6-C84E-F169-248823DF5718}"/>
+              </a:ext>
+            </a:extLst>
+          </p:cNvPr>
+          <p:cNvSpPr>
+            <a:spLocks noGrp="1"/>
+          </p:cNvSpPr>
+          <p:nvPr>
+            <p:ph type="title"/>
+          </p:nvPr>
+        </p:nvSpPr>
+        <p:spPr/>
+        <p:txBody>
+          <a:bodyPr/>
+          <a:lstStyle/>
+          <a:p>
+            <a:r>
+              <a:rPr lang="en-US" altLang="zh-CN" dirty="0"/>
+              <a:t>When </a:t>
+            </a:r>
+            <a:r>
+              <a:rPr lang="zh-CN" altLang="en-US" dirty="0"/>
+              <a:t>𝛿 </a:t>
+            </a:r>
+            <a:r>
+              <a:rPr lang="en-US" altLang="zh-CN" dirty="0"/>
+              <a:t>is Zero</a:t>
+            </a:r>
+            <a:endParaRPr lang="zh-CN" altLang="en-US" dirty="0"/>
+          </a:p>
+        </p:txBody>
+      </p:sp>
+      <p:sp>
+        <p:nvSpPr>
+          <p:cNvPr id="3" name="Content Placeholder 2">
+            <a:extLst>
+              <a:ext uri="{FF2B5EF4-FFF2-40B4-BE49-F238E27FC236}">
+                <a16:creationId xmlns:a16="http://schemas.microsoft.com/office/drawing/2014/main" id="{343A5105-2228-78BF-C2B9-70BEED2491DF}"/>
+              </a:ext>
+            </a:extLst>
+          </p:cNvPr>
+          <p:cNvSpPr>
+            <a:spLocks noGrp="1"/>
+          </p:cNvSpPr>
+          <p:nvPr>
+            <p:ph idx="1"/>
+          </p:nvPr>
+        </p:nvSpPr>
+        <p:spPr/>
+        <p:txBody>
+          <a:bodyPr/>
+          <a:lstStyle/>
+          <a:p>
+            <a:r>
+              <a:rPr lang="en-US" altLang="zh-CN" dirty="0"/>
+              <a:t>once </a:t>
+            </a:r>
+            <a:r>
+              <a:rPr lang="zh-CN" altLang="en-US" dirty="0"/>
+              <a:t>𝛿 </a:t>
+            </a:r>
+            <a:r>
+              <a:rPr lang="en-US" altLang="zh-CN" dirty="0"/>
+              <a:t>= 0, we will keep </a:t>
+            </a:r>
+            <a:r>
+              <a:rPr lang="zh-CN" altLang="en-US" dirty="0"/>
+              <a:t>𝑣 </a:t>
+            </a:r>
+            <a:r>
+              <a:rPr lang="en-US" altLang="zh-CN" dirty="0"/>
+              <a:t>as it is.</a:t>
+            </a:r>
+            <a:endParaRPr lang="zh-CN" altLang="en-US" dirty="0"/>
+          </a:p>
+        </p:txBody>
+      </p:sp>
+      <p:pic>
+        <p:nvPicPr>
+          <p:cNvPr id="5" name="Picture 4">
+            <a:extLst>
+              <a:ext uri="{FF2B5EF4-FFF2-40B4-BE49-F238E27FC236}">
+                <a16:creationId xmlns:a16="http://schemas.microsoft.com/office/drawing/2014/main" id="{ADA7506F-F4DE-5561-8CB0-21643D6A5F74}"/>
+              </a:ext>
+            </a:extLst>
+          </p:cNvPr>
+          <p:cNvPicPr>
+            <a:picLocks noChangeAspect="1"/>
+          </p:cNvPicPr>
+          <p:nvPr/>
+        </p:nvPicPr>
+        <p:blipFill>
+          <a:blip r:embed="rId3"/>
+          <a:stretch>
+            <a:fillRect/>
+          </a:stretch>
+        </p:blipFill>
+        <p:spPr>
+          <a:xfrm>
+            <a:off x="124079" y="2536841"/>
+            <a:ext cx="12067922" cy="992272"/>
+          </a:xfrm>
+          <a:prstGeom prst="rect">
+            <a:avLst/>
+          </a:prstGeom>
+        </p:spPr>
+      </p:pic>
+      <p:pic>
+        <p:nvPicPr>
+          <p:cNvPr id="7" name="Picture 6">
+            <a:extLst>
+              <a:ext uri="{FF2B5EF4-FFF2-40B4-BE49-F238E27FC236}">
+                <a16:creationId xmlns:a16="http://schemas.microsoft.com/office/drawing/2014/main" id="{67E5BA8B-D566-C290-3CFF-85CAA826724D}"/>
+              </a:ext>
+            </a:extLst>
+          </p:cNvPr>
+          <p:cNvPicPr>
+            <a:picLocks noChangeAspect="1"/>
+          </p:cNvPicPr>
+          <p:nvPr/>
+        </p:nvPicPr>
+        <p:blipFill>
+          <a:blip r:embed="rId4"/>
+          <a:stretch>
+            <a:fillRect/>
+          </a:stretch>
+        </p:blipFill>
+        <p:spPr>
+          <a:xfrm>
+            <a:off x="3393569" y="4632990"/>
+            <a:ext cx="7131191" cy="702654"/>
+          </a:xfrm>
+          <a:prstGeom prst="rect">
+            <a:avLst/>
+          </a:prstGeom>
+        </p:spPr>
+      </p:pic>
+    </p:spTree>
+    <p:extLst>
+      <p:ext uri="{BB962C8B-B14F-4D97-AF65-F5344CB8AC3E}">
+        <p14:creationId xmlns:p14="http://schemas.microsoft.com/office/powerpoint/2010/main" val="2175610038"/>
+      </p:ext>
+    </p:extLst>
+  </p:cSld>
+  <p:clrMapOvr>
+    <a:masterClrMapping/>
+  </p:clrMapOvr>
+</p:sld>
+</file>
+
+<file path=ppt/slides/slide12.xml><?xml version="1.0" encoding="utf-8"?>
+<p:sld xmlns:a="http://schemas.openxmlformats.org/drawingml/2006/main" xmlns:r="http://schemas.openxmlformats.org/officeDocument/2006/relationships" xmlns:p="http://schemas.openxmlformats.org/presentationml/2006/main">
+  <p:cSld>
+    <p:spTree>
+      <p:nvGrpSpPr>
+        <p:cNvPr id="1" name=""/>
+        <p:cNvGrpSpPr/>
+        <p:nvPr/>
+      </p:nvGrpSpPr>
+      <p:grpSpPr>
+        <a:xfrm>
+          <a:off x="0" y="0"/>
+          <a:ext cx="0" cy="0"/>
+          <a:chOff x="0" y="0"/>
+          <a:chExt cx="0" cy="0"/>
+        </a:xfrm>
+      </p:grpSpPr>
+      <mc:AlternateContent xmlns:mc="http://schemas.openxmlformats.org/markup-compatibility/2006">
+        <mc:Choice xmlns:a14="http://schemas.microsoft.com/office/drawing/2010/main" Requires="a14">
+          <p:sp>
+            <p:nvSpPr>
+              <p:cNvPr id="2" name="Title 1">
+                <a:extLst>
+                  <a:ext uri="{FF2B5EF4-FFF2-40B4-BE49-F238E27FC236}">
+                    <a16:creationId xmlns:a16="http://schemas.microsoft.com/office/drawing/2014/main" id="{F2E47F1B-9C07-80E8-7F5C-B9ED5A308FCE}"/>
+                  </a:ext>
+                </a:extLst>
+              </p:cNvPr>
+              <p:cNvSpPr>
+                <a:spLocks noGrp="1"/>
+              </p:cNvSpPr>
+              <p:nvPr>
+                <p:ph type="title"/>
+              </p:nvPr>
+            </p:nvSpPr>
+            <p:spPr/>
+            <p:txBody>
+              <a:bodyPr/>
+              <a:lstStyle/>
+              <a:p>
+                <a:r>
+                  <a:rPr lang="en-US" altLang="zh-CN" dirty="0"/>
+                  <a:t>Elf </a:t>
+                </a:r>
+                <a14:m>
+                  <m:oMath xmlns:m="http://schemas.openxmlformats.org/officeDocument/2006/math">
+                    <m:sSub>
+                      <m:sSubPr>
+                        <m:ctrlPr>
+                          <a:rPr lang="en-US" altLang="zh-CN" i="1" dirty="0" smtClean="0">
+                            <a:latin typeface="Cambria Math" panose="02040503050406030204" pitchFamily="18" charset="0"/>
+                          </a:rPr>
+                        </m:ctrlPr>
+                      </m:sSubPr>
+                      <m:e>
+                        <m:r>
+                          <a:rPr lang="en-US" altLang="zh-CN" b="0" i="1" dirty="0" smtClean="0">
+                            <a:latin typeface="Cambria Math" panose="02040503050406030204" pitchFamily="18" charset="0"/>
+                          </a:rPr>
+                          <m:t>𝑋𝑂𝑅</m:t>
+                        </m:r>
+                      </m:e>
+                      <m:sub>
+                        <m:r>
+                          <a:rPr lang="en-US" altLang="zh-CN" b="0" i="1" dirty="0" smtClean="0">
+                            <a:latin typeface="Cambria Math" panose="02040503050406030204" pitchFamily="18" charset="0"/>
+                          </a:rPr>
+                          <m:t>𝑐𝑚𝑝</m:t>
+                        </m:r>
+                      </m:sub>
+                    </m:sSub>
+                  </m:oMath>
+                </a14:m>
+                <a:endParaRPr lang="zh-CN" altLang="en-US" dirty="0"/>
+              </a:p>
+            </p:txBody>
+          </p:sp>
+        </mc:Choice>
+        <mc:Fallback>
+          <p:sp>
+            <p:nvSpPr>
+              <p:cNvPr id="2" name="Title 1">
+                <a:extLst>
+                  <a:ext uri="{FF2B5EF4-FFF2-40B4-BE49-F238E27FC236}">
+                    <a16:creationId xmlns:a16="http://schemas.microsoft.com/office/drawing/2014/main" id="{F2E47F1B-9C07-80E8-7F5C-B9ED5A308FCE}"/>
+                  </a:ext>
+                </a:extLst>
+              </p:cNvPr>
+              <p:cNvSpPr>
+                <a:spLocks noGrp="1" noRot="1" noChangeAspect="1" noMove="1" noResize="1" noEditPoints="1" noAdjustHandles="1" noChangeArrowheads="1" noChangeShapeType="1" noTextEdit="1"/>
+              </p:cNvSpPr>
+              <p:nvPr>
+                <p:ph type="title"/>
+              </p:nvPr>
+            </p:nvSpPr>
+            <p:spPr>
+              <a:blipFill>
+                <a:blip r:embed="rId2"/>
+                <a:stretch>
+                  <a:fillRect l="-2377"/>
+                </a:stretch>
+              </a:blipFill>
+            </p:spPr>
+            <p:txBody>
+              <a:bodyPr/>
+              <a:lstStyle/>
+              <a:p>
+                <a:r>
+                  <a:rPr lang="zh-CN" altLang="en-US">
+                    <a:noFill/>
+                  </a:rPr>
+                  <a:t> </a:t>
+                </a:r>
+              </a:p>
+            </p:txBody>
+          </p:sp>
+        </mc:Fallback>
+      </mc:AlternateContent>
+      <p:sp>
+        <p:nvSpPr>
+          <p:cNvPr id="3" name="Content Placeholder 2">
+            <a:extLst>
+              <a:ext uri="{FF2B5EF4-FFF2-40B4-BE49-F238E27FC236}">
+                <a16:creationId xmlns:a16="http://schemas.microsoft.com/office/drawing/2014/main" id="{E43659F3-EEF2-380B-E677-1D8FD478CB73}"/>
+              </a:ext>
+            </a:extLst>
+          </p:cNvPr>
+          <p:cNvSpPr>
+            <a:spLocks noGrp="1"/>
+          </p:cNvSpPr>
+          <p:nvPr>
+            <p:ph idx="1"/>
+          </p:nvPr>
+        </p:nvSpPr>
+        <p:spPr/>
+        <p:txBody>
+          <a:bodyPr/>
+          <a:lstStyle/>
+          <a:p>
+            <a:r>
+              <a:rPr lang="en-US" altLang="zh-CN" dirty="0"/>
+              <a:t>a novel XOR-based compressor</a:t>
+            </a:r>
+            <a:endParaRPr lang="zh-CN" altLang="en-US" dirty="0"/>
+          </a:p>
+        </p:txBody>
+      </p:sp>
+      <p:pic>
+        <p:nvPicPr>
+          <p:cNvPr id="5" name="Picture 4">
+            <a:extLst>
+              <a:ext uri="{FF2B5EF4-FFF2-40B4-BE49-F238E27FC236}">
+                <a16:creationId xmlns:a16="http://schemas.microsoft.com/office/drawing/2014/main" id="{65259A99-D930-41D0-0C03-A0A9A2E25D76}"/>
+              </a:ext>
+            </a:extLst>
+          </p:cNvPr>
+          <p:cNvPicPr>
+            <a:picLocks noChangeAspect="1"/>
+          </p:cNvPicPr>
+          <p:nvPr/>
+        </p:nvPicPr>
+        <p:blipFill>
+          <a:blip r:embed="rId3"/>
+          <a:stretch>
+            <a:fillRect/>
+          </a:stretch>
+        </p:blipFill>
+        <p:spPr>
+          <a:xfrm>
+            <a:off x="193931" y="2336179"/>
+            <a:ext cx="11865033" cy="3415692"/>
+          </a:xfrm>
+          <a:prstGeom prst="rect">
+            <a:avLst/>
+          </a:prstGeom>
+        </p:spPr>
+      </p:pic>
+    </p:spTree>
+    <p:extLst>
+      <p:ext uri="{BB962C8B-B14F-4D97-AF65-F5344CB8AC3E}">
+        <p14:creationId xmlns:p14="http://schemas.microsoft.com/office/powerpoint/2010/main" val="1803734681"/>
+      </p:ext>
+    </p:extLst>
+  </p:cSld>
+  <p:clrMapOvr>
+    <a:masterClrMapping/>
+  </p:clrMapOvr>
+</p:sld>
+</file>
+
 <file path=ppt/slides/slide2.xml><?xml version="1.0" encoding="utf-8"?>
 <p:sld xmlns:a="http://schemas.openxmlformats.org/drawingml/2006/main" xmlns:r="http://schemas.openxmlformats.org/officeDocument/2006/relationships" xmlns:p="http://schemas.openxmlformats.org/presentationml/2006/main">
   <p:cSld>
@@ -4868,6 +5675,686 @@
     <p:extLst>
       <p:ext uri="{BB962C8B-B14F-4D97-AF65-F5344CB8AC3E}">
         <p14:creationId xmlns:p14="http://schemas.microsoft.com/office/powerpoint/2010/main" val="1797895583"/>
+      </p:ext>
+    </p:extLst>
+  </p:cSld>
+  <p:clrMapOvr>
+    <a:masterClrMapping/>
+  </p:clrMapOvr>
+</p:sld>
+</file>
+
+<file path=ppt/slides/slide8.xml><?xml version="1.0" encoding="utf-8"?>
+<p:sld xmlns:a="http://schemas.openxmlformats.org/drawingml/2006/main" xmlns:r="http://schemas.openxmlformats.org/officeDocument/2006/relationships" xmlns:p="http://schemas.openxmlformats.org/presentationml/2006/main">
+  <p:cSld>
+    <p:spTree>
+      <p:nvGrpSpPr>
+        <p:cNvPr id="1" name=""/>
+        <p:cNvGrpSpPr/>
+        <p:nvPr/>
+      </p:nvGrpSpPr>
+      <p:grpSpPr>
+        <a:xfrm>
+          <a:off x="0" y="0"/>
+          <a:ext cx="0" cy="0"/>
+          <a:chOff x="0" y="0"/>
+          <a:chExt cx="0" cy="0"/>
+        </a:xfrm>
+      </p:grpSpPr>
+      <p:sp>
+        <p:nvSpPr>
+          <p:cNvPr id="2" name="Title 1">
+            <a:extLst>
+              <a:ext uri="{FF2B5EF4-FFF2-40B4-BE49-F238E27FC236}">
+                <a16:creationId xmlns:a16="http://schemas.microsoft.com/office/drawing/2014/main" id="{E2DDEF8D-7888-BA3E-9C3A-D39954082987}"/>
+              </a:ext>
+            </a:extLst>
+          </p:cNvPr>
+          <p:cNvSpPr>
+            <a:spLocks noGrp="1"/>
+          </p:cNvSpPr>
+          <p:nvPr>
+            <p:ph type="title"/>
+          </p:nvPr>
+        </p:nvSpPr>
+        <p:spPr/>
+        <p:txBody>
+          <a:bodyPr/>
+          <a:lstStyle/>
+          <a:p>
+            <a:r>
+              <a:rPr lang="en-US" altLang="zh-CN" dirty="0"/>
+              <a:t>Decimal Place Count Calculation</a:t>
+            </a:r>
+            <a:endParaRPr lang="zh-CN" altLang="en-US" dirty="0"/>
+          </a:p>
+        </p:txBody>
+      </p:sp>
+      <mc:AlternateContent xmlns:mc="http://schemas.openxmlformats.org/markup-compatibility/2006">
+        <mc:Choice xmlns:a14="http://schemas.microsoft.com/office/drawing/2010/main" Requires="a14">
+          <p:sp>
+            <p:nvSpPr>
+              <p:cNvPr id="3" name="Content Placeholder 2">
+                <a:extLst>
+                  <a:ext uri="{FF2B5EF4-FFF2-40B4-BE49-F238E27FC236}">
+                    <a16:creationId xmlns:a16="http://schemas.microsoft.com/office/drawing/2014/main" id="{DFD737A6-37C9-F343-4D2B-CD1DEF5957C9}"/>
+                  </a:ext>
+                </a:extLst>
+              </p:cNvPr>
+              <p:cNvSpPr>
+                <a:spLocks noGrp="1"/>
+              </p:cNvSpPr>
+              <p:nvPr>
+                <p:ph idx="1"/>
+              </p:nvPr>
+            </p:nvSpPr>
+            <p:spPr/>
+            <p:txBody>
+              <a:bodyPr>
+                <a:normAutofit/>
+              </a:bodyPr>
+              <a:lstStyle/>
+              <a:p>
+                <a:r>
+                  <a:rPr lang="en-US" altLang="zh-CN" dirty="0"/>
+                  <a:t>Theorem 2. Given a double value </a:t>
+                </a:r>
+                <a:r>
+                  <a:rPr lang="zh-CN" altLang="en-US" dirty="0"/>
+                  <a:t>𝑣 </a:t>
+                </a:r>
+                <a:r>
+                  <a:rPr lang="en-US" altLang="zh-CN" dirty="0"/>
+                  <a:t>and its best mantissa prefix number </a:t>
+                </a:r>
+                <a:r>
+                  <a:rPr lang="zh-CN" altLang="en-US" dirty="0"/>
+                  <a:t>𝑣 </a:t>
+                </a:r>
+                <a:r>
+                  <a:rPr lang="en-US" altLang="zh-CN" dirty="0"/>
+                  <a:t>′ , if </a:t>
+                </a:r>
+                <a:r>
+                  <a:rPr lang="zh-CN" altLang="en-US" dirty="0"/>
+                  <a:t>𝑣 ≠ </a:t>
+                </a:r>
+                <a14:m>
+                  <m:oMath xmlns:m="http://schemas.openxmlformats.org/officeDocument/2006/math">
+                    <m:sSup>
+                      <m:sSupPr>
+                        <m:ctrlPr>
+                          <a:rPr lang="en-US" altLang="zh-CN" i="1" dirty="0" smtClean="0">
+                            <a:latin typeface="Cambria Math" panose="02040503050406030204" pitchFamily="18" charset="0"/>
+                          </a:rPr>
+                        </m:ctrlPr>
+                      </m:sSupPr>
+                      <m:e>
+                        <m:r>
+                          <a:rPr lang="en-US" altLang="zh-CN" b="0" i="1" dirty="0" smtClean="0">
+                            <a:latin typeface="Cambria Math" panose="02040503050406030204" pitchFamily="18" charset="0"/>
+                          </a:rPr>
+                          <m:t>10</m:t>
+                        </m:r>
+                      </m:e>
+                      <m:sup>
+                        <m:r>
+                          <a:rPr lang="en-US" altLang="zh-CN" b="0" i="1" dirty="0" smtClean="0">
+                            <a:latin typeface="Cambria Math" panose="02040503050406030204" pitchFamily="18" charset="0"/>
+                          </a:rPr>
+                          <m:t>−</m:t>
+                        </m:r>
+                        <m:r>
+                          <m:rPr>
+                            <m:sty m:val="p"/>
+                          </m:rPr>
+                          <a:rPr lang="en-US" altLang="zh-CN" i="1" dirty="0">
+                            <a:latin typeface="Cambria Math" panose="02040503050406030204" pitchFamily="18" charset="0"/>
+                          </a:rPr>
+                          <m:t>i</m:t>
+                        </m:r>
+                      </m:sup>
+                    </m:sSup>
+                  </m:oMath>
+                </a14:m>
+                <a:r>
+                  <a:rPr lang="en-US" altLang="zh-CN" dirty="0"/>
+                  <a:t>, </a:t>
+                </a:r>
+                <a:r>
+                  <a:rPr lang="zh-CN" altLang="en-US" dirty="0"/>
+                  <a:t>𝑖 </a:t>
+                </a:r>
+                <a:r>
+                  <a:rPr lang="en-US" altLang="zh-CN" dirty="0"/>
+                  <a:t>&gt; 0, then </a:t>
+                </a:r>
+                <a:r>
+                  <a:rPr lang="zh-CN" altLang="en-US" dirty="0"/>
+                  <a:t>𝑆𝑃 </a:t>
+                </a:r>
+                <a:r>
+                  <a:rPr lang="en-US" altLang="zh-CN" dirty="0"/>
+                  <a:t>(</a:t>
+                </a:r>
+                <a:r>
+                  <a:rPr lang="zh-CN" altLang="en-US" dirty="0"/>
+                  <a:t>𝑣</a:t>
+                </a:r>
+                <a:r>
+                  <a:rPr lang="en-US" altLang="zh-CN" dirty="0"/>
+                  <a:t>) = </a:t>
+                </a:r>
+                <a:r>
+                  <a:rPr lang="zh-CN" altLang="en-US" dirty="0"/>
+                  <a:t>𝑆𝑃 </a:t>
+                </a:r>
+                <a:r>
+                  <a:rPr lang="en-US" altLang="zh-CN" dirty="0"/>
+                  <a:t>(</a:t>
+                </a:r>
+                <a:r>
+                  <a:rPr lang="zh-CN" altLang="en-US" dirty="0"/>
+                  <a:t>𝑣 </a:t>
+                </a:r>
+                <a:r>
+                  <a:rPr lang="en-US" altLang="zh-CN" dirty="0"/>
+                  <a:t>′ ).</a:t>
+                </a:r>
+              </a:p>
+              <a:p>
+                <a:r>
+                  <a:rPr lang="en-US" altLang="zh-CN" dirty="0"/>
+                  <a:t>When </a:t>
+                </a:r>
+                <a:r>
+                  <a:rPr lang="zh-CN" altLang="en-US" dirty="0"/>
+                  <a:t>𝑣 </a:t>
+                </a:r>
+                <a:r>
+                  <a:rPr lang="en-US" altLang="zh-CN" dirty="0"/>
+                  <a:t>= </a:t>
+                </a:r>
+                <a14:m>
+                  <m:oMath xmlns:m="http://schemas.openxmlformats.org/officeDocument/2006/math">
+                    <m:sSup>
+                      <m:sSupPr>
+                        <m:ctrlPr>
+                          <a:rPr lang="en-US" altLang="zh-CN" i="1" dirty="0" smtClean="0">
+                            <a:latin typeface="Cambria Math" panose="02040503050406030204" pitchFamily="18" charset="0"/>
+                          </a:rPr>
+                        </m:ctrlPr>
+                      </m:sSupPr>
+                      <m:e>
+                        <m:r>
+                          <a:rPr lang="en-US" altLang="zh-CN" b="0" i="1" dirty="0" smtClean="0">
+                            <a:latin typeface="Cambria Math" panose="02040503050406030204" pitchFamily="18" charset="0"/>
+                          </a:rPr>
+                          <m:t>10</m:t>
+                        </m:r>
+                      </m:e>
+                      <m:sup>
+                        <m:r>
+                          <a:rPr lang="en-US" altLang="zh-CN" b="0" i="1" dirty="0" smtClean="0">
+                            <a:latin typeface="Cambria Math" panose="02040503050406030204" pitchFamily="18" charset="0"/>
+                          </a:rPr>
+                          <m:t>−</m:t>
+                        </m:r>
+                        <m:r>
+                          <m:rPr>
+                            <m:sty m:val="p"/>
+                          </m:rPr>
+                          <a:rPr lang="en-US" altLang="zh-CN" i="1" dirty="0">
+                            <a:latin typeface="Cambria Math" panose="02040503050406030204" pitchFamily="18" charset="0"/>
+                          </a:rPr>
+                          <m:t>i</m:t>
+                        </m:r>
+                      </m:sup>
+                    </m:sSup>
+                  </m:oMath>
+                </a14:m>
+                <a:r>
+                  <a:rPr lang="en-US" altLang="zh-CN" dirty="0"/>
+                  <a:t>, </a:t>
+                </a:r>
+                <a:r>
+                  <a:rPr lang="zh-CN" altLang="en-US" dirty="0"/>
+                  <a:t>𝑖 </a:t>
+                </a:r>
+                <a:r>
+                  <a:rPr lang="en-US" altLang="zh-CN" dirty="0"/>
+                  <a:t>&gt; 0, Theorem 2 does not hold. Figure (a) gives an example of </a:t>
+                </a:r>
+                <a:r>
+                  <a:rPr lang="zh-CN" altLang="en-US" dirty="0"/>
+                  <a:t>𝑣 </a:t>
+                </a:r>
+                <a:r>
+                  <a:rPr lang="en-US" altLang="zh-CN" dirty="0"/>
+                  <a:t>= 0.1 with </a:t>
+                </a:r>
+                <a:r>
+                  <a:rPr lang="zh-CN" altLang="en-US" dirty="0"/>
+                  <a:t>𝑆𝑃 </a:t>
+                </a:r>
+                <a:r>
+                  <a:rPr lang="en-US" altLang="zh-CN" dirty="0"/>
+                  <a:t>(</a:t>
+                </a:r>
+                <a:r>
+                  <a:rPr lang="zh-CN" altLang="en-US" dirty="0"/>
+                  <a:t>𝑣</a:t>
+                </a:r>
+                <a:r>
+                  <a:rPr lang="en-US" altLang="zh-CN" dirty="0"/>
+                  <a:t>) = −1. If performing the erasing operation on </a:t>
+                </a:r>
+                <a:r>
+                  <a:rPr lang="zh-CN" altLang="en-US" dirty="0"/>
+                  <a:t>𝑣</a:t>
+                </a:r>
+                <a:r>
+                  <a:rPr lang="en-US" altLang="zh-CN" dirty="0"/>
+                  <a:t>, we get </a:t>
+                </a:r>
+                <a:r>
+                  <a:rPr lang="zh-CN" altLang="en-US" dirty="0"/>
+                  <a:t>𝑣</a:t>
+                </a:r>
+                <a:r>
+                  <a:rPr lang="en-US" altLang="zh-CN" dirty="0"/>
+                  <a:t>′ = 0.0625 with </a:t>
+                </a:r>
+                <a:r>
+                  <a:rPr lang="zh-CN" altLang="en-US" dirty="0"/>
+                  <a:t>𝑆𝑃 </a:t>
+                </a:r>
+                <a:r>
+                  <a:rPr lang="en-US" altLang="zh-CN" dirty="0"/>
+                  <a:t>(</a:t>
+                </a:r>
+                <a:r>
+                  <a:rPr lang="zh-CN" altLang="en-US" dirty="0"/>
+                  <a:t>𝑣</a:t>
+                </a:r>
+                <a:r>
+                  <a:rPr lang="en-US" altLang="zh-CN" dirty="0"/>
+                  <a:t>′) = −2</a:t>
+                </a:r>
+              </a:p>
+              <a:p>
+                <a:endParaRPr lang="en-US" altLang="zh-CN" dirty="0"/>
+              </a:p>
+              <a:p>
+                <a:endParaRPr lang="en-US" altLang="zh-CN" dirty="0"/>
+              </a:p>
+              <a:p>
+                <a:r>
+                  <a:rPr lang="en-US" altLang="zh-CN" dirty="0"/>
+                  <a:t>Theorem 3. Given a double value </a:t>
+                </a:r>
+                <a:r>
+                  <a:rPr lang="zh-CN" altLang="en-US" dirty="0"/>
+                  <a:t>𝑣 </a:t>
+                </a:r>
+                <a:r>
+                  <a:rPr lang="en-US" altLang="zh-CN" dirty="0"/>
+                  <a:t>= </a:t>
+                </a:r>
+                <a14:m>
+                  <m:oMath xmlns:m="http://schemas.openxmlformats.org/officeDocument/2006/math">
+                    <m:sSup>
+                      <m:sSupPr>
+                        <m:ctrlPr>
+                          <a:rPr lang="en-US" altLang="zh-CN" i="1" dirty="0" smtClean="0">
+                            <a:latin typeface="Cambria Math" panose="02040503050406030204" pitchFamily="18" charset="0"/>
+                          </a:rPr>
+                        </m:ctrlPr>
+                      </m:sSupPr>
+                      <m:e>
+                        <m:r>
+                          <a:rPr lang="en-US" altLang="zh-CN" b="0" i="1" dirty="0" smtClean="0">
+                            <a:latin typeface="Cambria Math" panose="02040503050406030204" pitchFamily="18" charset="0"/>
+                          </a:rPr>
+                          <m:t>10</m:t>
+                        </m:r>
+                      </m:e>
+                      <m:sup>
+                        <m:r>
+                          <a:rPr lang="en-US" altLang="zh-CN" b="0" i="1" dirty="0" smtClean="0">
+                            <a:latin typeface="Cambria Math" panose="02040503050406030204" pitchFamily="18" charset="0"/>
+                          </a:rPr>
+                          <m:t>−</m:t>
+                        </m:r>
+                        <m:r>
+                          <m:rPr>
+                            <m:sty m:val="p"/>
+                          </m:rPr>
+                          <a:rPr lang="en-US" altLang="zh-CN" i="1" dirty="0">
+                            <a:latin typeface="Cambria Math" panose="02040503050406030204" pitchFamily="18" charset="0"/>
+                          </a:rPr>
+                          <m:t>i</m:t>
+                        </m:r>
+                      </m:sup>
+                    </m:sSup>
+                  </m:oMath>
+                </a14:m>
+                <a:r>
+                  <a:rPr lang="en-US" altLang="zh-CN" dirty="0"/>
+                  <a:t>, </a:t>
+                </a:r>
+                <a:r>
+                  <a:rPr lang="zh-CN" altLang="en-US" dirty="0"/>
+                  <a:t>𝑖 </a:t>
+                </a:r>
+                <a:r>
+                  <a:rPr lang="en-US" altLang="zh-CN" dirty="0"/>
+                  <a:t>&gt; 0, and its best mantissa prefix number </a:t>
+                </a:r>
+                <a:r>
+                  <a:rPr lang="zh-CN" altLang="en-US" dirty="0"/>
+                  <a:t>𝑣 </a:t>
+                </a:r>
+                <a:r>
+                  <a:rPr lang="en-US" altLang="zh-CN" dirty="0"/>
+                  <a:t>′ , we have </a:t>
+                </a:r>
+                <a:r>
+                  <a:rPr lang="zh-CN" altLang="en-US" dirty="0"/>
+                  <a:t>𝑆𝑃 </a:t>
+                </a:r>
+                <a:r>
+                  <a:rPr lang="en-US" altLang="zh-CN" dirty="0"/>
+                  <a:t>(</a:t>
+                </a:r>
+                <a:r>
+                  <a:rPr lang="zh-CN" altLang="en-US" dirty="0"/>
+                  <a:t>𝑣</a:t>
+                </a:r>
+                <a:r>
+                  <a:rPr lang="en-US" altLang="zh-CN" dirty="0"/>
+                  <a:t>) = </a:t>
+                </a:r>
+                <a:r>
+                  <a:rPr lang="zh-CN" altLang="en-US" dirty="0"/>
+                  <a:t>𝑆𝑃 </a:t>
+                </a:r>
+                <a:r>
+                  <a:rPr lang="en-US" altLang="zh-CN" dirty="0"/>
+                  <a:t>(</a:t>
+                </a:r>
+                <a:r>
+                  <a:rPr lang="zh-CN" altLang="en-US" dirty="0"/>
+                  <a:t>𝑣 </a:t>
+                </a:r>
+                <a:r>
+                  <a:rPr lang="en-US" altLang="zh-CN" dirty="0"/>
+                  <a:t>′ ) + 1.</a:t>
+                </a:r>
+                <a:endParaRPr lang="zh-CN" altLang="en-US" dirty="0"/>
+              </a:p>
+            </p:txBody>
+          </p:sp>
+        </mc:Choice>
+        <mc:Fallback>
+          <p:sp>
+            <p:nvSpPr>
+              <p:cNvPr id="3" name="Content Placeholder 2">
+                <a:extLst>
+                  <a:ext uri="{FF2B5EF4-FFF2-40B4-BE49-F238E27FC236}">
+                    <a16:creationId xmlns:a16="http://schemas.microsoft.com/office/drawing/2014/main" id="{DFD737A6-37C9-F343-4D2B-CD1DEF5957C9}"/>
+                  </a:ext>
+                </a:extLst>
+              </p:cNvPr>
+              <p:cNvSpPr>
+                <a:spLocks noGrp="1" noRot="1" noChangeAspect="1" noMove="1" noResize="1" noEditPoints="1" noAdjustHandles="1" noChangeArrowheads="1" noChangeShapeType="1" noTextEdit="1"/>
+              </p:cNvSpPr>
+              <p:nvPr>
+                <p:ph idx="1"/>
+              </p:nvPr>
+            </p:nvSpPr>
+            <p:spPr>
+              <a:blipFill>
+                <a:blip r:embed="rId2"/>
+                <a:stretch>
+                  <a:fillRect l="-1043" t="-2661" r="-1507"/>
+                </a:stretch>
+              </a:blipFill>
+            </p:spPr>
+            <p:txBody>
+              <a:bodyPr/>
+              <a:lstStyle/>
+              <a:p>
+                <a:r>
+                  <a:rPr lang="zh-CN" altLang="en-US">
+                    <a:noFill/>
+                  </a:rPr>
+                  <a:t> </a:t>
+                </a:r>
+              </a:p>
+            </p:txBody>
+          </p:sp>
+        </mc:Fallback>
+      </mc:AlternateContent>
+      <p:pic>
+        <p:nvPicPr>
+          <p:cNvPr id="5" name="Picture 4">
+            <a:extLst>
+              <a:ext uri="{FF2B5EF4-FFF2-40B4-BE49-F238E27FC236}">
+                <a16:creationId xmlns:a16="http://schemas.microsoft.com/office/drawing/2014/main" id="{005E4FE0-3D5B-4864-C3C1-E283E7C6C720}"/>
+              </a:ext>
+            </a:extLst>
+          </p:cNvPr>
+          <p:cNvPicPr>
+            <a:picLocks noChangeAspect="1"/>
+          </p:cNvPicPr>
+          <p:nvPr/>
+        </p:nvPicPr>
+        <p:blipFill>
+          <a:blip r:embed="rId3"/>
+          <a:stretch>
+            <a:fillRect/>
+          </a:stretch>
+        </p:blipFill>
+        <p:spPr>
+          <a:xfrm>
+            <a:off x="936607" y="4001294"/>
+            <a:ext cx="9800169" cy="1051651"/>
+          </a:xfrm>
+          <a:prstGeom prst="rect">
+            <a:avLst/>
+          </a:prstGeom>
+        </p:spPr>
+      </p:pic>
+    </p:spTree>
+    <p:extLst>
+      <p:ext uri="{BB962C8B-B14F-4D97-AF65-F5344CB8AC3E}">
+        <p14:creationId xmlns:p14="http://schemas.microsoft.com/office/powerpoint/2010/main" val="467846132"/>
+      </p:ext>
+    </p:extLst>
+  </p:cSld>
+  <p:clrMapOvr>
+    <a:masterClrMapping/>
+  </p:clrMapOvr>
+</p:sld>
+</file>
+
+<file path=ppt/slides/slide9.xml><?xml version="1.0" encoding="utf-8"?>
+<p:sld xmlns:a="http://schemas.openxmlformats.org/drawingml/2006/main" xmlns:r="http://schemas.openxmlformats.org/officeDocument/2006/relationships" xmlns:p="http://schemas.openxmlformats.org/presentationml/2006/main">
+  <p:cSld>
+    <p:spTree>
+      <p:nvGrpSpPr>
+        <p:cNvPr id="1" name=""/>
+        <p:cNvGrpSpPr/>
+        <p:nvPr/>
+      </p:nvGrpSpPr>
+      <p:grpSpPr>
+        <a:xfrm>
+          <a:off x="0" y="0"/>
+          <a:ext cx="0" cy="0"/>
+          <a:chOff x="0" y="0"/>
+          <a:chExt cx="0" cy="0"/>
+        </a:xfrm>
+      </p:grpSpPr>
+      <p:sp>
+        <p:nvSpPr>
+          <p:cNvPr id="2" name="Title 1">
+            <a:extLst>
+              <a:ext uri="{FF2B5EF4-FFF2-40B4-BE49-F238E27FC236}">
+                <a16:creationId xmlns:a16="http://schemas.microsoft.com/office/drawing/2014/main" id="{E2DDEF8D-7888-BA3E-9C3A-D39954082987}"/>
+              </a:ext>
+            </a:extLst>
+          </p:cNvPr>
+          <p:cNvSpPr>
+            <a:spLocks noGrp="1"/>
+          </p:cNvSpPr>
+          <p:nvPr>
+            <p:ph type="title"/>
+          </p:nvPr>
+        </p:nvSpPr>
+        <p:spPr/>
+        <p:txBody>
+          <a:bodyPr/>
+          <a:lstStyle/>
+          <a:p>
+            <a:r>
+              <a:rPr lang="en-US" altLang="zh-CN" dirty="0"/>
+              <a:t>Decimal Place Count Calculation</a:t>
+            </a:r>
+            <a:endParaRPr lang="zh-CN" altLang="en-US" dirty="0"/>
+          </a:p>
+        </p:txBody>
+      </p:sp>
+      <p:sp>
+        <p:nvSpPr>
+          <p:cNvPr id="3" name="Content Placeholder 2">
+            <a:extLst>
+              <a:ext uri="{FF2B5EF4-FFF2-40B4-BE49-F238E27FC236}">
+                <a16:creationId xmlns:a16="http://schemas.microsoft.com/office/drawing/2014/main" id="{DFD737A6-37C9-F343-4D2B-CD1DEF5957C9}"/>
+              </a:ext>
+            </a:extLst>
+          </p:cNvPr>
+          <p:cNvSpPr>
+            <a:spLocks noGrp="1"/>
+          </p:cNvSpPr>
+          <p:nvPr>
+            <p:ph idx="1"/>
+          </p:nvPr>
+        </p:nvSpPr>
+        <p:spPr/>
+        <p:txBody>
+          <a:bodyPr>
+            <a:normAutofit/>
+          </a:bodyPr>
+          <a:lstStyle/>
+          <a:p>
+            <a:r>
+              <a:rPr lang="zh-CN" altLang="en-US" dirty="0"/>
+              <a:t>𝛼 </a:t>
+            </a:r>
+            <a:r>
+              <a:rPr lang="en-US" altLang="zh-CN" dirty="0"/>
+              <a:t>= </a:t>
+            </a:r>
+            <a:r>
+              <a:rPr lang="zh-CN" altLang="en-US" dirty="0"/>
+              <a:t>𝛽 − </a:t>
+            </a:r>
+            <a:r>
+              <a:rPr lang="en-US" altLang="zh-CN" dirty="0"/>
+              <a:t>(</a:t>
+            </a:r>
+            <a:r>
+              <a:rPr lang="zh-CN" altLang="en-US" dirty="0"/>
+              <a:t>𝑆𝑃 </a:t>
+            </a:r>
+            <a:r>
+              <a:rPr lang="en-US" altLang="zh-CN" dirty="0"/>
+              <a:t>(</a:t>
+            </a:r>
+            <a:r>
+              <a:rPr lang="zh-CN" altLang="en-US" dirty="0"/>
+              <a:t>𝑣</a:t>
+            </a:r>
+            <a:r>
+              <a:rPr lang="en-US" altLang="zh-CN" dirty="0"/>
+              <a:t>) + 1)</a:t>
+            </a:r>
+          </a:p>
+          <a:p>
+            <a:endParaRPr lang="en-US" altLang="zh-CN" dirty="0"/>
+          </a:p>
+          <a:p>
+            <a:endParaRPr lang="en-US" altLang="zh-CN" dirty="0"/>
+          </a:p>
+          <a:p>
+            <a:endParaRPr lang="en-US" altLang="zh-CN" dirty="0"/>
+          </a:p>
+          <a:p>
+            <a:r>
+              <a:rPr lang="zh-CN" altLang="en-US" dirty="0"/>
+              <a:t>𝑣 </a:t>
+            </a:r>
+            <a:r>
+              <a:rPr lang="en-US" altLang="zh-CN" dirty="0"/>
+              <a:t>= 10^{− (</a:t>
+            </a:r>
+            <a:r>
+              <a:rPr lang="zh-CN" altLang="en-US" dirty="0"/>
+              <a:t>𝑆𝑃 </a:t>
+            </a:r>
+            <a:r>
+              <a:rPr lang="en-US" altLang="zh-CN" dirty="0"/>
+              <a:t>(</a:t>
+            </a:r>
+            <a:r>
+              <a:rPr lang="zh-CN" altLang="en-US" dirty="0"/>
+              <a:t>𝑣</a:t>
+            </a:r>
+            <a:r>
+              <a:rPr lang="en-US" altLang="zh-CN" dirty="0"/>
+              <a:t>′)+1)}</a:t>
+            </a:r>
+          </a:p>
+          <a:p>
+            <a:endParaRPr lang="zh-CN" altLang="en-US" dirty="0"/>
+          </a:p>
+        </p:txBody>
+      </p:sp>
+      <p:pic>
+        <p:nvPicPr>
+          <p:cNvPr id="6" name="Picture 5">
+            <a:extLst>
+              <a:ext uri="{FF2B5EF4-FFF2-40B4-BE49-F238E27FC236}">
+                <a16:creationId xmlns:a16="http://schemas.microsoft.com/office/drawing/2014/main" id="{4CBD5227-64B5-6DD5-2D36-6079481F488B}"/>
+              </a:ext>
+            </a:extLst>
+          </p:cNvPr>
+          <p:cNvPicPr>
+            <a:picLocks noChangeAspect="1"/>
+          </p:cNvPicPr>
+          <p:nvPr/>
+        </p:nvPicPr>
+        <p:blipFill>
+          <a:blip r:embed="rId2"/>
+          <a:stretch>
+            <a:fillRect/>
+          </a:stretch>
+        </p:blipFill>
+        <p:spPr>
+          <a:xfrm>
+            <a:off x="2579918" y="2250094"/>
+            <a:ext cx="5792873" cy="1039016"/>
+          </a:xfrm>
+          <a:prstGeom prst="rect">
+            <a:avLst/>
+          </a:prstGeom>
+        </p:spPr>
+      </p:pic>
+    </p:spTree>
+    <p:extLst>
+      <p:ext uri="{BB962C8B-B14F-4D97-AF65-F5344CB8AC3E}">
+        <p14:creationId xmlns:p14="http://schemas.microsoft.com/office/powerpoint/2010/main" val="960932295"/>
       </p:ext>
     </p:extLst>
   </p:cSld>
